--- a/wk12/S_RWD_Design_陳品政.pptx
+++ b/wk12/S_RWD_Design_陳品政.pptx
@@ -2,12 +2,12 @@
 <file path=ppt/presentation.xml><?xml version="1.0" encoding="utf-8"?>
 <p:presentation xmlns:a="http://schemas.openxmlformats.org/drawingml/2006/main" xmlns:r="http://schemas.openxmlformats.org/officeDocument/2006/relationships" xmlns:p="http://schemas.openxmlformats.org/presentationml/2006/main" saveSubsetFonts="1">
   <p:sldMasterIdLst>
-    <p:sldMasterId id="2147483684" r:id="rId1"/>
+    <p:sldMasterId id="2147483756" r:id="rId1"/>
   </p:sldMasterIdLst>
   <p:sldIdLst>
     <p:sldId id="256" r:id="rId2"/>
   </p:sldIdLst>
-  <p:sldSz cx="3049588" cy="7199313"/>
+  <p:sldSz cx="3049588" cy="7927975"/>
   <p:notesSz cx="6858000" cy="9144000"/>
   <p:defaultTextStyle>
     <a:defPPr>
@@ -141,8 +141,8 @@
         </p:nvSpPr>
         <p:spPr>
           <a:xfrm>
-            <a:off x="228719" y="1178222"/>
-            <a:ext cx="2592150" cy="2506427"/>
+            <a:off x="228719" y="1297472"/>
+            <a:ext cx="2592150" cy="2760110"/>
           </a:xfrm>
         </p:spPr>
         <p:txBody>
@@ -173,8 +173,8 @@
         </p:nvSpPr>
         <p:spPr>
           <a:xfrm>
-            <a:off x="381199" y="3781306"/>
-            <a:ext cx="2287191" cy="1738167"/>
+            <a:off x="381199" y="4164022"/>
+            <a:ext cx="2287191" cy="1914092"/>
           </a:xfrm>
         </p:spPr>
         <p:txBody>
@@ -243,7 +243,7 @@
           <a:p>
             <a:fld id="{E1D5949C-A975-47C0-855E-C9A3BD3A04B9}" type="datetimeFigureOut">
               <a:rPr lang="zh-TW" altLang="en-US" smtClean="0"/>
-              <a:t>2016/5/15</a:t>
+              <a:t>2016/5/16</a:t>
             </a:fld>
             <a:endParaRPr lang="zh-TW" altLang="en-US"/>
           </a:p>
@@ -294,7 +294,7 @@
     </p:spTree>
     <p:extLst>
       <p:ext uri="{BB962C8B-B14F-4D97-AF65-F5344CB8AC3E}">
-        <p14:creationId xmlns:p14="http://schemas.microsoft.com/office/powerpoint/2010/main" val="1478764834"/>
+        <p14:creationId xmlns:p14="http://schemas.microsoft.com/office/powerpoint/2010/main" val="3129829381"/>
       </p:ext>
     </p:extLst>
   </p:cSld>
@@ -413,7 +413,7 @@
           <a:p>
             <a:fld id="{E1D5949C-A975-47C0-855E-C9A3BD3A04B9}" type="datetimeFigureOut">
               <a:rPr lang="zh-TW" altLang="en-US" smtClean="0"/>
-              <a:t>2016/5/15</a:t>
+              <a:t>2016/5/16</a:t>
             </a:fld>
             <a:endParaRPr lang="zh-TW" altLang="en-US"/>
           </a:p>
@@ -464,7 +464,7 @@
     </p:spTree>
     <p:extLst>
       <p:ext uri="{BB962C8B-B14F-4D97-AF65-F5344CB8AC3E}">
-        <p14:creationId xmlns:p14="http://schemas.microsoft.com/office/powerpoint/2010/main" val="3796736320"/>
+        <p14:creationId xmlns:p14="http://schemas.microsoft.com/office/powerpoint/2010/main" val="303099748"/>
       </p:ext>
     </p:extLst>
   </p:cSld>
@@ -503,8 +503,8 @@
         </p:nvSpPr>
         <p:spPr>
           <a:xfrm>
-            <a:off x="2182362" y="383297"/>
-            <a:ext cx="657567" cy="6101085"/>
+            <a:off x="2182362" y="422091"/>
+            <a:ext cx="657567" cy="6718592"/>
           </a:xfrm>
         </p:spPr>
         <p:txBody>
@@ -531,8 +531,8 @@
         </p:nvSpPr>
         <p:spPr>
           <a:xfrm>
-            <a:off x="209660" y="383297"/>
-            <a:ext cx="1934582" cy="6101085"/>
+            <a:off x="209660" y="422091"/>
+            <a:ext cx="1934582" cy="6718592"/>
           </a:xfrm>
         </p:spPr>
         <p:txBody>
@@ -593,7 +593,7 @@
           <a:p>
             <a:fld id="{E1D5949C-A975-47C0-855E-C9A3BD3A04B9}" type="datetimeFigureOut">
               <a:rPr lang="zh-TW" altLang="en-US" smtClean="0"/>
-              <a:t>2016/5/15</a:t>
+              <a:t>2016/5/16</a:t>
             </a:fld>
             <a:endParaRPr lang="zh-TW" altLang="en-US"/>
           </a:p>
@@ -644,7 +644,7 @@
     </p:spTree>
     <p:extLst>
       <p:ext uri="{BB962C8B-B14F-4D97-AF65-F5344CB8AC3E}">
-        <p14:creationId xmlns:p14="http://schemas.microsoft.com/office/powerpoint/2010/main" val="3355196469"/>
+        <p14:creationId xmlns:p14="http://schemas.microsoft.com/office/powerpoint/2010/main" val="64718316"/>
       </p:ext>
     </p:extLst>
   </p:cSld>
@@ -763,7 +763,7 @@
           <a:p>
             <a:fld id="{E1D5949C-A975-47C0-855E-C9A3BD3A04B9}" type="datetimeFigureOut">
               <a:rPr lang="zh-TW" altLang="en-US" smtClean="0"/>
-              <a:t>2016/5/15</a:t>
+              <a:t>2016/5/16</a:t>
             </a:fld>
             <a:endParaRPr lang="zh-TW" altLang="en-US"/>
           </a:p>
@@ -814,7 +814,7 @@
     </p:spTree>
     <p:extLst>
       <p:ext uri="{BB962C8B-B14F-4D97-AF65-F5344CB8AC3E}">
-        <p14:creationId xmlns:p14="http://schemas.microsoft.com/office/powerpoint/2010/main" val="2295215662"/>
+        <p14:creationId xmlns:p14="http://schemas.microsoft.com/office/powerpoint/2010/main" val="3923592629"/>
       </p:ext>
     </p:extLst>
   </p:cSld>
@@ -853,8 +853,8 @@
         </p:nvSpPr>
         <p:spPr>
           <a:xfrm>
-            <a:off x="208071" y="1794831"/>
-            <a:ext cx="2630270" cy="2994714"/>
+            <a:off x="208071" y="1976490"/>
+            <a:ext cx="2630270" cy="3297817"/>
           </a:xfrm>
         </p:spPr>
         <p:txBody>
@@ -885,8 +885,8 @@
         </p:nvSpPr>
         <p:spPr>
           <a:xfrm>
-            <a:off x="208071" y="4817876"/>
-            <a:ext cx="2630270" cy="1574849"/>
+            <a:off x="208071" y="5305506"/>
+            <a:ext cx="2630270" cy="1734244"/>
           </a:xfrm>
         </p:spPr>
         <p:txBody>
@@ -1007,7 +1007,7 @@
           <a:p>
             <a:fld id="{E1D5949C-A975-47C0-855E-C9A3BD3A04B9}" type="datetimeFigureOut">
               <a:rPr lang="zh-TW" altLang="en-US" smtClean="0"/>
-              <a:t>2016/5/15</a:t>
+              <a:t>2016/5/16</a:t>
             </a:fld>
             <a:endParaRPr lang="zh-TW" altLang="en-US"/>
           </a:p>
@@ -1058,7 +1058,7 @@
     </p:spTree>
     <p:extLst>
       <p:ext uri="{BB962C8B-B14F-4D97-AF65-F5344CB8AC3E}">
-        <p14:creationId xmlns:p14="http://schemas.microsoft.com/office/powerpoint/2010/main" val="1710931453"/>
+        <p14:creationId xmlns:p14="http://schemas.microsoft.com/office/powerpoint/2010/main" val="4153613670"/>
       </p:ext>
     </p:extLst>
   </p:cSld>
@@ -1120,8 +1120,8 @@
         </p:nvSpPr>
         <p:spPr>
           <a:xfrm>
-            <a:off x="209659" y="1916484"/>
-            <a:ext cx="1296075" cy="4567898"/>
+            <a:off x="209659" y="2110456"/>
+            <a:ext cx="1296075" cy="5030227"/>
           </a:xfrm>
         </p:spPr>
         <p:txBody>
@@ -1177,8 +1177,8 @@
         </p:nvSpPr>
         <p:spPr>
           <a:xfrm>
-            <a:off x="1543854" y="1916484"/>
-            <a:ext cx="1296075" cy="4567898"/>
+            <a:off x="1543854" y="2110456"/>
+            <a:ext cx="1296075" cy="5030227"/>
           </a:xfrm>
         </p:spPr>
         <p:txBody>
@@ -1239,7 +1239,7 @@
           <a:p>
             <a:fld id="{E1D5949C-A975-47C0-855E-C9A3BD3A04B9}" type="datetimeFigureOut">
               <a:rPr lang="zh-TW" altLang="en-US" smtClean="0"/>
-              <a:t>2016/5/15</a:t>
+              <a:t>2016/5/16</a:t>
             </a:fld>
             <a:endParaRPr lang="zh-TW" altLang="en-US"/>
           </a:p>
@@ -1290,7 +1290,7 @@
     </p:spTree>
     <p:extLst>
       <p:ext uri="{BB962C8B-B14F-4D97-AF65-F5344CB8AC3E}">
-        <p14:creationId xmlns:p14="http://schemas.microsoft.com/office/powerpoint/2010/main" val="1824709778"/>
+        <p14:creationId xmlns:p14="http://schemas.microsoft.com/office/powerpoint/2010/main" val="1858104014"/>
       </p:ext>
     </p:extLst>
   </p:cSld>
@@ -1329,8 +1329,8 @@
         </p:nvSpPr>
         <p:spPr>
           <a:xfrm>
-            <a:off x="210056" y="383299"/>
-            <a:ext cx="2630270" cy="1391534"/>
+            <a:off x="210056" y="422093"/>
+            <a:ext cx="2630270" cy="1532375"/>
           </a:xfrm>
         </p:spPr>
         <p:txBody>
@@ -1357,8 +1357,8 @@
         </p:nvSpPr>
         <p:spPr>
           <a:xfrm>
-            <a:off x="210057" y="1764832"/>
-            <a:ext cx="1290118" cy="864917"/>
+            <a:off x="210057" y="1943455"/>
+            <a:ext cx="1290118" cy="952458"/>
           </a:xfrm>
         </p:spPr>
         <p:txBody>
@@ -1422,8 +1422,8 @@
         </p:nvSpPr>
         <p:spPr>
           <a:xfrm>
-            <a:off x="210057" y="2629749"/>
-            <a:ext cx="1290118" cy="3867965"/>
+            <a:off x="210057" y="2895913"/>
+            <a:ext cx="1290118" cy="4259452"/>
           </a:xfrm>
         </p:spPr>
         <p:txBody>
@@ -1479,8 +1479,8 @@
         </p:nvSpPr>
         <p:spPr>
           <a:xfrm>
-            <a:off x="1543854" y="1764832"/>
-            <a:ext cx="1296472" cy="864917"/>
+            <a:off x="1543854" y="1943455"/>
+            <a:ext cx="1296472" cy="952458"/>
           </a:xfrm>
         </p:spPr>
         <p:txBody>
@@ -1544,8 +1544,8 @@
         </p:nvSpPr>
         <p:spPr>
           <a:xfrm>
-            <a:off x="1543854" y="2629749"/>
-            <a:ext cx="1296472" cy="3867965"/>
+            <a:off x="1543854" y="2895913"/>
+            <a:ext cx="1296472" cy="4259452"/>
           </a:xfrm>
         </p:spPr>
         <p:txBody>
@@ -1606,7 +1606,7 @@
           <a:p>
             <a:fld id="{E1D5949C-A975-47C0-855E-C9A3BD3A04B9}" type="datetimeFigureOut">
               <a:rPr lang="zh-TW" altLang="en-US" smtClean="0"/>
-              <a:t>2016/5/15</a:t>
+              <a:t>2016/5/16</a:t>
             </a:fld>
             <a:endParaRPr lang="zh-TW" altLang="en-US"/>
           </a:p>
@@ -1657,7 +1657,7 @@
     </p:spTree>
     <p:extLst>
       <p:ext uri="{BB962C8B-B14F-4D97-AF65-F5344CB8AC3E}">
-        <p14:creationId xmlns:p14="http://schemas.microsoft.com/office/powerpoint/2010/main" val="2729209534"/>
+        <p14:creationId xmlns:p14="http://schemas.microsoft.com/office/powerpoint/2010/main" val="1361380250"/>
       </p:ext>
     </p:extLst>
   </p:cSld>
@@ -1724,7 +1724,7 @@
           <a:p>
             <a:fld id="{E1D5949C-A975-47C0-855E-C9A3BD3A04B9}" type="datetimeFigureOut">
               <a:rPr lang="zh-TW" altLang="en-US" smtClean="0"/>
-              <a:t>2016/5/15</a:t>
+              <a:t>2016/5/16</a:t>
             </a:fld>
             <a:endParaRPr lang="zh-TW" altLang="en-US"/>
           </a:p>
@@ -1775,7 +1775,7 @@
     </p:spTree>
     <p:extLst>
       <p:ext uri="{BB962C8B-B14F-4D97-AF65-F5344CB8AC3E}">
-        <p14:creationId xmlns:p14="http://schemas.microsoft.com/office/powerpoint/2010/main" val="3412536994"/>
+        <p14:creationId xmlns:p14="http://schemas.microsoft.com/office/powerpoint/2010/main" val="400832646"/>
       </p:ext>
     </p:extLst>
   </p:cSld>
@@ -1819,7 +1819,7 @@
           <a:p>
             <a:fld id="{E1D5949C-A975-47C0-855E-C9A3BD3A04B9}" type="datetimeFigureOut">
               <a:rPr lang="zh-TW" altLang="en-US" smtClean="0"/>
-              <a:t>2016/5/15</a:t>
+              <a:t>2016/5/16</a:t>
             </a:fld>
             <a:endParaRPr lang="zh-TW" altLang="en-US"/>
           </a:p>
@@ -1870,7 +1870,7 @@
     </p:spTree>
     <p:extLst>
       <p:ext uri="{BB962C8B-B14F-4D97-AF65-F5344CB8AC3E}">
-        <p14:creationId xmlns:p14="http://schemas.microsoft.com/office/powerpoint/2010/main" val="1698304144"/>
+        <p14:creationId xmlns:p14="http://schemas.microsoft.com/office/powerpoint/2010/main" val="3766424686"/>
       </p:ext>
     </p:extLst>
   </p:cSld>
@@ -1909,8 +1909,8 @@
         </p:nvSpPr>
         <p:spPr>
           <a:xfrm>
-            <a:off x="210056" y="479954"/>
-            <a:ext cx="983572" cy="1679840"/>
+            <a:off x="210056" y="528532"/>
+            <a:ext cx="983572" cy="1849861"/>
           </a:xfrm>
         </p:spPr>
         <p:txBody>
@@ -1941,8 +1941,8 @@
         </p:nvSpPr>
         <p:spPr>
           <a:xfrm>
-            <a:off x="1296472" y="1036570"/>
-            <a:ext cx="1543854" cy="5116178"/>
+            <a:off x="1296472" y="1141483"/>
+            <a:ext cx="1543854" cy="5634001"/>
           </a:xfrm>
         </p:spPr>
         <p:txBody>
@@ -2026,8 +2026,8 @@
         </p:nvSpPr>
         <p:spPr>
           <a:xfrm>
-            <a:off x="210056" y="2159794"/>
-            <a:ext cx="983572" cy="4001285"/>
+            <a:off x="210056" y="2378393"/>
+            <a:ext cx="983572" cy="4406266"/>
           </a:xfrm>
         </p:spPr>
         <p:txBody>
@@ -2096,7 +2096,7 @@
           <a:p>
             <a:fld id="{E1D5949C-A975-47C0-855E-C9A3BD3A04B9}" type="datetimeFigureOut">
               <a:rPr lang="zh-TW" altLang="en-US" smtClean="0"/>
-              <a:t>2016/5/15</a:t>
+              <a:t>2016/5/16</a:t>
             </a:fld>
             <a:endParaRPr lang="zh-TW" altLang="en-US"/>
           </a:p>
@@ -2147,7 +2147,7 @@
     </p:spTree>
     <p:extLst>
       <p:ext uri="{BB962C8B-B14F-4D97-AF65-F5344CB8AC3E}">
-        <p14:creationId xmlns:p14="http://schemas.microsoft.com/office/powerpoint/2010/main" val="3288587064"/>
+        <p14:creationId xmlns:p14="http://schemas.microsoft.com/office/powerpoint/2010/main" val="3663589434"/>
       </p:ext>
     </p:extLst>
   </p:cSld>
@@ -2186,8 +2186,8 @@
         </p:nvSpPr>
         <p:spPr>
           <a:xfrm>
-            <a:off x="210056" y="479954"/>
-            <a:ext cx="983572" cy="1679840"/>
+            <a:off x="210056" y="528532"/>
+            <a:ext cx="983572" cy="1849861"/>
           </a:xfrm>
         </p:spPr>
         <p:txBody>
@@ -2218,8 +2218,8 @@
         </p:nvSpPr>
         <p:spPr>
           <a:xfrm>
-            <a:off x="1296472" y="1036570"/>
-            <a:ext cx="1543854" cy="5116178"/>
+            <a:off x="1296472" y="1141483"/>
+            <a:ext cx="1543854" cy="5634001"/>
           </a:xfrm>
         </p:spPr>
         <p:txBody>
@@ -2283,8 +2283,8 @@
         </p:nvSpPr>
         <p:spPr>
           <a:xfrm>
-            <a:off x="210056" y="2159794"/>
-            <a:ext cx="983572" cy="4001285"/>
+            <a:off x="210056" y="2378393"/>
+            <a:ext cx="983572" cy="4406266"/>
           </a:xfrm>
         </p:spPr>
         <p:txBody>
@@ -2353,7 +2353,7 @@
           <a:p>
             <a:fld id="{E1D5949C-A975-47C0-855E-C9A3BD3A04B9}" type="datetimeFigureOut">
               <a:rPr lang="zh-TW" altLang="en-US" smtClean="0"/>
-              <a:t>2016/5/15</a:t>
+              <a:t>2016/5/16</a:t>
             </a:fld>
             <a:endParaRPr lang="zh-TW" altLang="en-US"/>
           </a:p>
@@ -2404,7 +2404,7 @@
     </p:spTree>
     <p:extLst>
       <p:ext uri="{BB962C8B-B14F-4D97-AF65-F5344CB8AC3E}">
-        <p14:creationId xmlns:p14="http://schemas.microsoft.com/office/powerpoint/2010/main" val="2925142057"/>
+        <p14:creationId xmlns:p14="http://schemas.microsoft.com/office/powerpoint/2010/main" val="3780525489"/>
       </p:ext>
     </p:extLst>
   </p:cSld>
@@ -2448,8 +2448,8 @@
         </p:nvSpPr>
         <p:spPr>
           <a:xfrm>
-            <a:off x="209659" y="383299"/>
-            <a:ext cx="2630270" cy="1391534"/>
+            <a:off x="209659" y="422093"/>
+            <a:ext cx="2630270" cy="1532375"/>
           </a:xfrm>
           <a:prstGeom prst="rect">
             <a:avLst/>
@@ -2481,8 +2481,8 @@
         </p:nvSpPr>
         <p:spPr>
           <a:xfrm>
-            <a:off x="209659" y="1916484"/>
-            <a:ext cx="2630270" cy="4567898"/>
+            <a:off x="209659" y="2110456"/>
+            <a:ext cx="2630270" cy="5030227"/>
           </a:xfrm>
           <a:prstGeom prst="rect">
             <a:avLst/>
@@ -2543,8 +2543,8 @@
         </p:nvSpPr>
         <p:spPr>
           <a:xfrm>
-            <a:off x="209659" y="6672698"/>
-            <a:ext cx="686157" cy="383297"/>
+            <a:off x="209659" y="7348060"/>
+            <a:ext cx="686157" cy="422091"/>
           </a:xfrm>
           <a:prstGeom prst="rect">
             <a:avLst/>
@@ -2566,7 +2566,7 @@
           <a:p>
             <a:fld id="{E1D5949C-A975-47C0-855E-C9A3BD3A04B9}" type="datetimeFigureOut">
               <a:rPr lang="zh-TW" altLang="en-US" smtClean="0"/>
-              <a:t>2016/5/15</a:t>
+              <a:t>2016/5/16</a:t>
             </a:fld>
             <a:endParaRPr lang="zh-TW" altLang="en-US"/>
           </a:p>
@@ -2584,8 +2584,8 @@
         </p:nvSpPr>
         <p:spPr>
           <a:xfrm>
-            <a:off x="1010176" y="6672698"/>
-            <a:ext cx="1029236" cy="383297"/>
+            <a:off x="1010176" y="7348060"/>
+            <a:ext cx="1029236" cy="422091"/>
           </a:xfrm>
           <a:prstGeom prst="rect">
             <a:avLst/>
@@ -2621,8 +2621,8 @@
         </p:nvSpPr>
         <p:spPr>
           <a:xfrm>
-            <a:off x="2153772" y="6672698"/>
-            <a:ext cx="686157" cy="383297"/>
+            <a:off x="2153772" y="7348060"/>
+            <a:ext cx="686157" cy="422091"/>
           </a:xfrm>
           <a:prstGeom prst="rect">
             <a:avLst/>
@@ -2653,23 +2653,23 @@
     </p:spTree>
     <p:extLst>
       <p:ext uri="{BB962C8B-B14F-4D97-AF65-F5344CB8AC3E}">
-        <p14:creationId xmlns:p14="http://schemas.microsoft.com/office/powerpoint/2010/main" val="2518658153"/>
+        <p14:creationId xmlns:p14="http://schemas.microsoft.com/office/powerpoint/2010/main" val="2454945960"/>
       </p:ext>
     </p:extLst>
   </p:cSld>
   <p:clrMap bg1="lt1" tx1="dk1" bg2="lt2" tx2="dk2" accent1="accent1" accent2="accent2" accent3="accent3" accent4="accent4" accent5="accent5" accent6="accent6" hlink="hlink" folHlink="folHlink"/>
   <p:sldLayoutIdLst>
-    <p:sldLayoutId id="2147483685" r:id="rId1"/>
-    <p:sldLayoutId id="2147483686" r:id="rId2"/>
-    <p:sldLayoutId id="2147483687" r:id="rId3"/>
-    <p:sldLayoutId id="2147483688" r:id="rId4"/>
-    <p:sldLayoutId id="2147483689" r:id="rId5"/>
-    <p:sldLayoutId id="2147483690" r:id="rId6"/>
-    <p:sldLayoutId id="2147483691" r:id="rId7"/>
-    <p:sldLayoutId id="2147483692" r:id="rId8"/>
-    <p:sldLayoutId id="2147483693" r:id="rId9"/>
-    <p:sldLayoutId id="2147483694" r:id="rId10"/>
-    <p:sldLayoutId id="2147483695" r:id="rId11"/>
+    <p:sldLayoutId id="2147483757" r:id="rId1"/>
+    <p:sldLayoutId id="2147483758" r:id="rId2"/>
+    <p:sldLayoutId id="2147483759" r:id="rId3"/>
+    <p:sldLayoutId id="2147483760" r:id="rId4"/>
+    <p:sldLayoutId id="2147483761" r:id="rId5"/>
+    <p:sldLayoutId id="2147483762" r:id="rId6"/>
+    <p:sldLayoutId id="2147483763" r:id="rId7"/>
+    <p:sldLayoutId id="2147483764" r:id="rId8"/>
+    <p:sldLayoutId id="2147483765" r:id="rId9"/>
+    <p:sldLayoutId id="2147483766" r:id="rId10"/>
+    <p:sldLayoutId id="2147483767" r:id="rId11"/>
   </p:sldLayoutIdLst>
   <p:txStyles>
     <p:titleStyle>
@@ -2971,733 +2971,703 @@
           <a:chExt cx="0" cy="0"/>
         </a:xfrm>
       </p:grpSpPr>
+      <p:sp>
+        <p:nvSpPr>
+          <p:cNvPr id="157" name="矩形 156"/>
+          <p:cNvSpPr/>
+          <p:nvPr/>
+        </p:nvSpPr>
+        <p:spPr>
+          <a:xfrm>
+            <a:off x="0" y="-13501"/>
+            <a:ext cx="3049588" cy="369102"/>
+          </a:xfrm>
+          <a:prstGeom prst="rect">
+            <a:avLst/>
+          </a:prstGeom>
+          <a:solidFill>
+            <a:schemeClr val="tx2">
+              <a:lumMod val="50000"/>
+            </a:schemeClr>
+          </a:solidFill>
+          <a:ln>
+            <a:noFill/>
+          </a:ln>
+        </p:spPr>
+        <p:style>
+          <a:lnRef idx="2">
+            <a:schemeClr val="accent1">
+              <a:shade val="50000"/>
+            </a:schemeClr>
+          </a:lnRef>
+          <a:fillRef idx="1">
+            <a:schemeClr val="accent1"/>
+          </a:fillRef>
+          <a:effectRef idx="0">
+            <a:schemeClr val="accent1"/>
+          </a:effectRef>
+          <a:fontRef idx="minor">
+            <a:schemeClr val="lt1"/>
+          </a:fontRef>
+        </p:style>
+        <p:txBody>
+          <a:bodyPr rtlCol="0" anchor="ctr"/>
+          <a:lstStyle/>
+          <a:p>
+            <a:pPr algn="ctr"/>
+            <a:endParaRPr lang="zh-TW" altLang="en-US" dirty="0"/>
+          </a:p>
+        </p:txBody>
+      </p:sp>
+      <p:pic>
+        <p:nvPicPr>
+          <p:cNvPr id="158" name="圖片 157"/>
+          <p:cNvPicPr>
+            <a:picLocks noChangeAspect="1"/>
+          </p:cNvPicPr>
+          <p:nvPr/>
+        </p:nvPicPr>
+        <p:blipFill>
+          <a:blip r:embed="rId2" cstate="print">
+            <a:extLst>
+              <a:ext uri="{28A0092B-C50C-407E-A947-70E740481C1C}">
+                <a14:useLocalDpi xmlns:a14="http://schemas.microsoft.com/office/drawing/2010/main" val="0"/>
+              </a:ext>
+            </a:extLst>
+          </a:blip>
+          <a:stretch>
+            <a:fillRect/>
+          </a:stretch>
+        </p:blipFill>
+        <p:spPr>
+          <a:xfrm>
+            <a:off x="955553" y="35064"/>
+            <a:ext cx="1138481" cy="271971"/>
+          </a:xfrm>
+          <a:prstGeom prst="rect">
+            <a:avLst/>
+          </a:prstGeom>
+          <a:ln>
+            <a:noFill/>
+          </a:ln>
+        </p:spPr>
+      </p:pic>
+      <p:sp>
+        <p:nvSpPr>
+          <p:cNvPr id="159" name="矩形 158"/>
+          <p:cNvSpPr/>
+          <p:nvPr/>
+        </p:nvSpPr>
+        <p:spPr>
+          <a:xfrm>
+            <a:off x="0" y="307034"/>
+            <a:ext cx="3049588" cy="7411849"/>
+          </a:xfrm>
+          <a:prstGeom prst="rect">
+            <a:avLst/>
+          </a:prstGeom>
+          <a:solidFill>
+            <a:schemeClr val="accent6">
+              <a:lumMod val="40000"/>
+              <a:lumOff val="60000"/>
+            </a:schemeClr>
+          </a:solidFill>
+          <a:ln>
+            <a:noFill/>
+          </a:ln>
+        </p:spPr>
+        <p:style>
+          <a:lnRef idx="2">
+            <a:schemeClr val="accent1">
+              <a:shade val="50000"/>
+            </a:schemeClr>
+          </a:lnRef>
+          <a:fillRef idx="1">
+            <a:schemeClr val="accent1"/>
+          </a:fillRef>
+          <a:effectRef idx="0">
+            <a:schemeClr val="accent1"/>
+          </a:effectRef>
+          <a:fontRef idx="minor">
+            <a:schemeClr val="lt1"/>
+          </a:fontRef>
+        </p:style>
+        <p:txBody>
+          <a:bodyPr rtlCol="0" anchor="ctr"/>
+          <a:lstStyle/>
+          <a:p>
+            <a:pPr algn="ctr"/>
+            <a:endParaRPr lang="zh-TW" altLang="en-US"/>
+          </a:p>
+        </p:txBody>
+      </p:sp>
+      <p:sp>
+        <p:nvSpPr>
+          <p:cNvPr id="160" name="矩形 159"/>
+          <p:cNvSpPr/>
+          <p:nvPr/>
+        </p:nvSpPr>
+        <p:spPr>
+          <a:xfrm>
+            <a:off x="150007" y="307036"/>
+            <a:ext cx="2749572" cy="1750362"/>
+          </a:xfrm>
+          <a:prstGeom prst="rect">
+            <a:avLst/>
+          </a:prstGeom>
+          <a:solidFill>
+            <a:schemeClr val="bg2">
+              <a:lumMod val="10000"/>
+            </a:schemeClr>
+          </a:solidFill>
+          <a:ln>
+            <a:noFill/>
+          </a:ln>
+        </p:spPr>
+        <p:style>
+          <a:lnRef idx="2">
+            <a:schemeClr val="accent1">
+              <a:shade val="50000"/>
+            </a:schemeClr>
+          </a:lnRef>
+          <a:fillRef idx="1">
+            <a:schemeClr val="accent1"/>
+          </a:fillRef>
+          <a:effectRef idx="0">
+            <a:schemeClr val="accent1"/>
+          </a:effectRef>
+          <a:fontRef idx="minor">
+            <a:schemeClr val="lt1"/>
+          </a:fontRef>
+        </p:style>
+        <p:txBody>
+          <a:bodyPr rtlCol="0" anchor="ctr"/>
+          <a:lstStyle/>
+          <a:p>
+            <a:pPr algn="ctr"/>
+            <a:endParaRPr lang="zh-TW" altLang="en-US"/>
+          </a:p>
+        </p:txBody>
+      </p:sp>
+      <p:sp>
+        <p:nvSpPr>
+          <p:cNvPr id="161" name="矩形 160"/>
+          <p:cNvSpPr/>
+          <p:nvPr/>
+        </p:nvSpPr>
+        <p:spPr>
+          <a:xfrm>
+            <a:off x="150009" y="2057400"/>
+            <a:ext cx="2749571" cy="5646553"/>
+          </a:xfrm>
+          <a:prstGeom prst="rect">
+            <a:avLst/>
+          </a:prstGeom>
+          <a:solidFill>
+            <a:schemeClr val="tx1">
+              <a:lumMod val="75000"/>
+              <a:lumOff val="25000"/>
+            </a:schemeClr>
+          </a:solidFill>
+          <a:ln>
+            <a:noFill/>
+          </a:ln>
+        </p:spPr>
+        <p:style>
+          <a:lnRef idx="2">
+            <a:schemeClr val="accent1">
+              <a:shade val="50000"/>
+            </a:schemeClr>
+          </a:lnRef>
+          <a:fillRef idx="1">
+            <a:schemeClr val="accent1"/>
+          </a:fillRef>
+          <a:effectRef idx="0">
+            <a:schemeClr val="accent1"/>
+          </a:effectRef>
+          <a:fontRef idx="minor">
+            <a:schemeClr val="lt1"/>
+          </a:fontRef>
+        </p:style>
+        <p:txBody>
+          <a:bodyPr rtlCol="0" anchor="ctr"/>
+          <a:lstStyle/>
+          <a:p>
+            <a:pPr algn="ctr"/>
+            <a:endParaRPr lang="zh-TW" altLang="en-US" dirty="0"/>
+          </a:p>
+        </p:txBody>
+      </p:sp>
+      <p:pic>
+        <p:nvPicPr>
+          <p:cNvPr id="162" name="圖片 161"/>
+          <p:cNvPicPr>
+            <a:picLocks noChangeAspect="1"/>
+          </p:cNvPicPr>
+          <p:nvPr/>
+        </p:nvPicPr>
+        <p:blipFill>
+          <a:blip r:embed="rId3" cstate="print">
+            <a:extLst>
+              <a:ext uri="{28A0092B-C50C-407E-A947-70E740481C1C}">
+                <a14:useLocalDpi xmlns:a14="http://schemas.microsoft.com/office/drawing/2010/main" val="0"/>
+              </a:ext>
+            </a:extLst>
+          </a:blip>
+          <a:stretch>
+            <a:fillRect/>
+          </a:stretch>
+        </p:blipFill>
+        <p:spPr>
+          <a:xfrm>
+            <a:off x="150006" y="618874"/>
+            <a:ext cx="2749571" cy="1438524"/>
+          </a:xfrm>
+          <a:prstGeom prst="rect">
+            <a:avLst/>
+          </a:prstGeom>
+          <a:ln>
+            <a:noFill/>
+          </a:ln>
+        </p:spPr>
+      </p:pic>
+      <p:pic>
+        <p:nvPicPr>
+          <p:cNvPr id="163" name="圖片 162"/>
+          <p:cNvPicPr>
+            <a:picLocks noChangeAspect="1"/>
+          </p:cNvPicPr>
+          <p:nvPr/>
+        </p:nvPicPr>
+        <p:blipFill>
+          <a:blip r:embed="rId4" cstate="print">
+            <a:extLst>
+              <a:ext uri="{28A0092B-C50C-407E-A947-70E740481C1C}">
+                <a14:useLocalDpi xmlns:a14="http://schemas.microsoft.com/office/drawing/2010/main" val="0"/>
+              </a:ext>
+            </a:extLst>
+          </a:blip>
+          <a:stretch>
+            <a:fillRect/>
+          </a:stretch>
+        </p:blipFill>
+        <p:spPr>
+          <a:xfrm>
+            <a:off x="150006" y="55030"/>
+            <a:ext cx="178606" cy="178606"/>
+          </a:xfrm>
+          <a:prstGeom prst="rect">
+            <a:avLst/>
+          </a:prstGeom>
+        </p:spPr>
+      </p:pic>
+      <p:pic>
+        <p:nvPicPr>
+          <p:cNvPr id="164" name="圖片 163"/>
+          <p:cNvPicPr>
+            <a:picLocks noChangeAspect="1"/>
+          </p:cNvPicPr>
+          <p:nvPr/>
+        </p:nvPicPr>
+        <p:blipFill>
+          <a:blip r:embed="rId5" cstate="print">
+            <a:extLst>
+              <a:ext uri="{28A0092B-C50C-407E-A947-70E740481C1C}">
+                <a14:useLocalDpi xmlns:a14="http://schemas.microsoft.com/office/drawing/2010/main" val="0"/>
+              </a:ext>
+            </a:extLst>
+          </a:blip>
+          <a:stretch>
+            <a:fillRect/>
+          </a:stretch>
+        </p:blipFill>
+        <p:spPr>
+          <a:xfrm>
+            <a:off x="585490" y="2927220"/>
+            <a:ext cx="1897366" cy="1061275"/>
+          </a:xfrm>
+          <a:prstGeom prst="rect">
+            <a:avLst/>
+          </a:prstGeom>
+          <a:ln>
+            <a:noFill/>
+          </a:ln>
+        </p:spPr>
+      </p:pic>
+      <p:sp>
+        <p:nvSpPr>
+          <p:cNvPr id="165" name="文字方塊 164"/>
+          <p:cNvSpPr txBox="1"/>
+          <p:nvPr/>
+        </p:nvSpPr>
+        <p:spPr>
+          <a:xfrm>
+            <a:off x="533385" y="2575452"/>
+            <a:ext cx="2007146" cy="307777"/>
+          </a:xfrm>
+          <a:prstGeom prst="rect">
+            <a:avLst/>
+          </a:prstGeom>
+          <a:noFill/>
+          <a:ln>
+            <a:noFill/>
+          </a:ln>
+        </p:spPr>
+        <p:txBody>
+          <a:bodyPr wrap="square" rtlCol="0">
+            <a:spAutoFit/>
+          </a:bodyPr>
+          <a:lstStyle/>
+          <a:p>
+            <a:pPr fontAlgn="t"/>
+            <a:r>
+              <a:rPr lang="en-US" altLang="zh-TW" sz="700" dirty="0">
+                <a:solidFill>
+                  <a:schemeClr val="bg1"/>
+                </a:solidFill>
+                <a:latin typeface="微軟正黑體" panose="020B0604030504040204" pitchFamily="34" charset="-120"/>
+                <a:ea typeface="微軟正黑體" panose="020B0604030504040204" pitchFamily="34" charset="-120"/>
+              </a:rPr>
+              <a:t>03/27 </a:t>
+            </a:r>
+            <a:r>
+              <a:rPr lang="zh-TW" altLang="en-US" sz="700" dirty="0">
+                <a:solidFill>
+                  <a:schemeClr val="bg1"/>
+                </a:solidFill>
+                <a:latin typeface="微軟正黑體" panose="020B0604030504040204" pitchFamily="34" charset="-120"/>
+                <a:ea typeface="微軟正黑體" panose="020B0604030504040204" pitchFamily="34" charset="-120"/>
+              </a:rPr>
+              <a:t>兄弟 </a:t>
+            </a:r>
+            <a:r>
+              <a:rPr lang="en-US" altLang="zh-TW" sz="700" dirty="0">
+                <a:solidFill>
+                  <a:schemeClr val="bg1"/>
+                </a:solidFill>
+                <a:latin typeface="微軟正黑體" panose="020B0604030504040204" pitchFamily="34" charset="-120"/>
+                <a:ea typeface="微軟正黑體" panose="020B0604030504040204" pitchFamily="34" charset="-120"/>
+              </a:rPr>
+              <a:t>vs </a:t>
+            </a:r>
+            <a:r>
+              <a:rPr lang="zh-TW" altLang="en-US" sz="700" dirty="0">
+                <a:solidFill>
+                  <a:schemeClr val="bg1"/>
+                </a:solidFill>
+                <a:latin typeface="微軟正黑體" panose="020B0604030504040204" pitchFamily="34" charset="-120"/>
+                <a:ea typeface="微軟正黑體" panose="020B0604030504040204" pitchFamily="34" charset="-120"/>
+              </a:rPr>
+              <a:t>義大 一局上，鄭達鴻擊出中外野德州安打，帶有兩分打點</a:t>
+            </a:r>
+            <a:endParaRPr lang="zh-TW" altLang="en-US" sz="700" dirty="0">
+              <a:solidFill>
+                <a:schemeClr val="bg1"/>
+              </a:solidFill>
+              <a:latin typeface="微軟正黑體" panose="020B0604030504040204" pitchFamily="34" charset="-120"/>
+              <a:ea typeface="微軟正黑體" panose="020B0604030504040204" pitchFamily="34" charset="-120"/>
+            </a:endParaRPr>
+          </a:p>
+        </p:txBody>
+      </p:sp>
+      <p:sp>
+        <p:nvSpPr>
+          <p:cNvPr id="166" name="文字方塊 165"/>
+          <p:cNvSpPr txBox="1"/>
+          <p:nvPr/>
+        </p:nvSpPr>
+        <p:spPr>
+          <a:xfrm>
+            <a:off x="1028308" y="2173004"/>
+            <a:ext cx="912539" cy="230832"/>
+          </a:xfrm>
+          <a:prstGeom prst="rect">
+            <a:avLst/>
+          </a:prstGeom>
+          <a:noFill/>
+          <a:ln>
+            <a:noFill/>
+          </a:ln>
+          <a:effectLst>
+            <a:glow>
+              <a:schemeClr val="accent1">
+                <a:alpha val="40000"/>
+              </a:schemeClr>
+            </a:glow>
+            <a:outerShdw blurRad="50800" dist="50800" dir="5400000" sx="1000" sy="1000" algn="ctr" rotWithShape="0">
+              <a:srgbClr val="000000">
+                <a:alpha val="43137"/>
+              </a:srgbClr>
+            </a:outerShdw>
+            <a:reflection stA="45000" endPos="0" dist="50800" dir="5400000" sy="-100000" algn="bl" rotWithShape="0"/>
+            <a:softEdge rad="0"/>
+          </a:effectLst>
+        </p:spPr>
+        <p:txBody>
+          <a:bodyPr wrap="square" rtlCol="0">
+            <a:spAutoFit/>
+          </a:bodyPr>
+          <a:lstStyle/>
+          <a:p>
+            <a:pPr algn="ctr" fontAlgn="t"/>
+            <a:r>
+              <a:rPr lang="zh-TW" altLang="en-US" sz="900" b="1" dirty="0">
+                <a:solidFill>
+                  <a:schemeClr val="bg1"/>
+                </a:solidFill>
+                <a:latin typeface="微軟正黑體" panose="020B0604030504040204" pitchFamily="34" charset="-120"/>
+                <a:ea typeface="微軟正黑體" panose="020B0604030504040204" pitchFamily="34" charset="-120"/>
+              </a:rPr>
+              <a:t>精選賽事影片</a:t>
+            </a:r>
+          </a:p>
+        </p:txBody>
+      </p:sp>
+      <p:sp>
+        <p:nvSpPr>
+          <p:cNvPr id="167" name="文字方塊 166"/>
+          <p:cNvSpPr txBox="1"/>
+          <p:nvPr/>
+        </p:nvSpPr>
+        <p:spPr>
+          <a:xfrm>
+            <a:off x="712527" y="319020"/>
+            <a:ext cx="1554937" cy="230832"/>
+          </a:xfrm>
+          <a:prstGeom prst="rect">
+            <a:avLst/>
+          </a:prstGeom>
+          <a:noFill/>
+          <a:ln>
+            <a:noFill/>
+          </a:ln>
+        </p:spPr>
+        <p:txBody>
+          <a:bodyPr wrap="square" rtlCol="0">
+            <a:spAutoFit/>
+          </a:bodyPr>
+          <a:lstStyle/>
+          <a:p>
+            <a:pPr fontAlgn="t"/>
+            <a:r>
+              <a:rPr lang="en-US" altLang="zh-TW" sz="900" b="1" dirty="0">
+                <a:solidFill>
+                  <a:schemeClr val="bg1"/>
+                </a:solidFill>
+                <a:latin typeface="微軟正黑體" panose="020B0604030504040204" pitchFamily="34" charset="-120"/>
+                <a:ea typeface="微軟正黑體" panose="020B0604030504040204" pitchFamily="34" charset="-120"/>
+              </a:rPr>
+              <a:t>[Live] 03/27 </a:t>
+            </a:r>
+            <a:r>
+              <a:rPr lang="zh-TW" altLang="en-US" sz="900" b="1" dirty="0">
+                <a:solidFill>
+                  <a:schemeClr val="bg1"/>
+                </a:solidFill>
+                <a:latin typeface="微軟正黑體" panose="020B0604030504040204" pitchFamily="34" charset="-120"/>
+                <a:ea typeface="微軟正黑體" panose="020B0604030504040204" pitchFamily="34" charset="-120"/>
+              </a:rPr>
+              <a:t>兄弟 </a:t>
+            </a:r>
+            <a:r>
+              <a:rPr lang="en-US" altLang="zh-TW" sz="900" b="1" dirty="0">
+                <a:solidFill>
+                  <a:schemeClr val="bg1"/>
+                </a:solidFill>
+                <a:latin typeface="微軟正黑體" panose="020B0604030504040204" pitchFamily="34" charset="-120"/>
+                <a:ea typeface="微軟正黑體" panose="020B0604030504040204" pitchFamily="34" charset="-120"/>
+              </a:rPr>
+              <a:t>vs </a:t>
+            </a:r>
+            <a:r>
+              <a:rPr lang="zh-TW" altLang="en-US" sz="900" b="1" dirty="0">
+                <a:solidFill>
+                  <a:schemeClr val="bg1"/>
+                </a:solidFill>
+                <a:latin typeface="微軟正黑體" panose="020B0604030504040204" pitchFamily="34" charset="-120"/>
+                <a:ea typeface="微軟正黑體" panose="020B0604030504040204" pitchFamily="34" charset="-120"/>
+              </a:rPr>
+              <a:t>義大</a:t>
+            </a:r>
+          </a:p>
+        </p:txBody>
+      </p:sp>
+      <p:sp>
+        <p:nvSpPr>
+          <p:cNvPr id="168" name="文字方塊 167"/>
+          <p:cNvSpPr txBox="1"/>
+          <p:nvPr/>
+        </p:nvSpPr>
+        <p:spPr>
+          <a:xfrm>
+            <a:off x="585490" y="4210861"/>
+            <a:ext cx="1894681" cy="307777"/>
+          </a:xfrm>
+          <a:prstGeom prst="rect">
+            <a:avLst/>
+          </a:prstGeom>
+          <a:noFill/>
+          <a:ln>
+            <a:noFill/>
+          </a:ln>
+        </p:spPr>
+        <p:txBody>
+          <a:bodyPr wrap="square" rtlCol="0">
+            <a:spAutoFit/>
+          </a:bodyPr>
+          <a:lstStyle/>
+          <a:p>
+            <a:pPr fontAlgn="t"/>
+            <a:r>
+              <a:rPr lang="en-US" altLang="zh-TW" sz="700" dirty="0">
+                <a:solidFill>
+                  <a:schemeClr val="bg1"/>
+                </a:solidFill>
+                <a:latin typeface="微軟正黑體" panose="020B0604030504040204" pitchFamily="34" charset="-120"/>
+                <a:ea typeface="微軟正黑體" panose="020B0604030504040204" pitchFamily="34" charset="-120"/>
+              </a:rPr>
+              <a:t>03/27 </a:t>
+            </a:r>
+            <a:r>
+              <a:rPr lang="zh-TW" altLang="en-US" sz="700" dirty="0">
+                <a:solidFill>
+                  <a:schemeClr val="bg1"/>
+                </a:solidFill>
+                <a:latin typeface="微軟正黑體" panose="020B0604030504040204" pitchFamily="34" charset="-120"/>
+                <a:ea typeface="微軟正黑體" panose="020B0604030504040204" pitchFamily="34" charset="-120"/>
+              </a:rPr>
+              <a:t>兄弟 </a:t>
+            </a:r>
+            <a:r>
+              <a:rPr lang="en-US" altLang="zh-TW" sz="700" dirty="0">
+                <a:solidFill>
+                  <a:schemeClr val="bg1"/>
+                </a:solidFill>
+                <a:latin typeface="微軟正黑體" panose="020B0604030504040204" pitchFamily="34" charset="-120"/>
+                <a:ea typeface="微軟正黑體" panose="020B0604030504040204" pitchFamily="34" charset="-120"/>
+              </a:rPr>
+              <a:t>vs </a:t>
+            </a:r>
+            <a:r>
+              <a:rPr lang="zh-TW" altLang="en-US" sz="700" dirty="0">
+                <a:solidFill>
+                  <a:schemeClr val="bg1"/>
+                </a:solidFill>
+                <a:latin typeface="微軟正黑體" panose="020B0604030504040204" pitchFamily="34" charset="-120"/>
+                <a:ea typeface="微軟正黑體" panose="020B0604030504040204" pitchFamily="34" charset="-120"/>
+              </a:rPr>
+              <a:t>義大 四局上，兄弟九位打者一共擊出</a:t>
+            </a:r>
+            <a:r>
+              <a:rPr lang="en-US" altLang="zh-TW" sz="700" dirty="0">
+                <a:solidFill>
+                  <a:schemeClr val="bg1"/>
+                </a:solidFill>
+                <a:latin typeface="微軟正黑體" panose="020B0604030504040204" pitchFamily="34" charset="-120"/>
+                <a:ea typeface="微軟正黑體" panose="020B0604030504040204" pitchFamily="34" charset="-120"/>
+              </a:rPr>
+              <a:t>11</a:t>
+            </a:r>
+            <a:r>
+              <a:rPr lang="zh-TW" altLang="en-US" sz="700" dirty="0">
+                <a:solidFill>
+                  <a:schemeClr val="bg1"/>
+                </a:solidFill>
+                <a:latin typeface="微軟正黑體" panose="020B0604030504040204" pitchFamily="34" charset="-120"/>
+                <a:ea typeface="微軟正黑體" panose="020B0604030504040204" pitchFamily="34" charset="-120"/>
+              </a:rPr>
+              <a:t>支安打，灌進</a:t>
+            </a:r>
+            <a:r>
+              <a:rPr lang="en-US" altLang="zh-TW" sz="700" dirty="0">
+                <a:solidFill>
+                  <a:schemeClr val="bg1"/>
+                </a:solidFill>
+                <a:latin typeface="微軟正黑體" panose="020B0604030504040204" pitchFamily="34" charset="-120"/>
+                <a:ea typeface="微軟正黑體" panose="020B0604030504040204" pitchFamily="34" charset="-120"/>
+              </a:rPr>
+              <a:t>8</a:t>
+            </a:r>
+            <a:r>
+              <a:rPr lang="zh-TW" altLang="en-US" sz="700" dirty="0">
+                <a:solidFill>
+                  <a:schemeClr val="bg1"/>
+                </a:solidFill>
+                <a:latin typeface="微軟正黑體" panose="020B0604030504040204" pitchFamily="34" charset="-120"/>
+                <a:ea typeface="微軟正黑體" panose="020B0604030504040204" pitchFamily="34" charset="-120"/>
+              </a:rPr>
+              <a:t>分，包括</a:t>
+            </a:r>
+            <a:r>
+              <a:rPr lang="en-US" altLang="zh-TW" sz="700" dirty="0">
+                <a:solidFill>
+                  <a:schemeClr val="bg1"/>
+                </a:solidFill>
+                <a:latin typeface="微軟正黑體" panose="020B0604030504040204" pitchFamily="34" charset="-120"/>
+                <a:ea typeface="微軟正黑體" panose="020B0604030504040204" pitchFamily="34" charset="-120"/>
+              </a:rPr>
+              <a:t>...</a:t>
+            </a:r>
+            <a:endParaRPr lang="zh-TW" altLang="en-US" sz="700" dirty="0">
+              <a:solidFill>
+                <a:schemeClr val="bg1"/>
+              </a:solidFill>
+              <a:latin typeface="微軟正黑體" panose="020B0604030504040204" pitchFamily="34" charset="-120"/>
+              <a:ea typeface="微軟正黑體" panose="020B0604030504040204" pitchFamily="34" charset="-120"/>
+            </a:endParaRPr>
+          </a:p>
+        </p:txBody>
+      </p:sp>
+      <p:pic>
+        <p:nvPicPr>
+          <p:cNvPr id="169" name="圖片 168"/>
+          <p:cNvPicPr>
+            <a:picLocks noChangeAspect="1"/>
+          </p:cNvPicPr>
+          <p:nvPr/>
+        </p:nvPicPr>
+        <p:blipFill>
+          <a:blip r:embed="rId6" cstate="print">
+            <a:extLst>
+              <a:ext uri="{28A0092B-C50C-407E-A947-70E740481C1C}">
+                <a14:useLocalDpi xmlns:a14="http://schemas.microsoft.com/office/drawing/2010/main" val="0"/>
+              </a:ext>
+            </a:extLst>
+          </a:blip>
+          <a:stretch>
+            <a:fillRect/>
+          </a:stretch>
+        </p:blipFill>
+        <p:spPr>
+          <a:xfrm>
+            <a:off x="569782" y="4559903"/>
+            <a:ext cx="1928783" cy="1082109"/>
+          </a:xfrm>
+          <a:prstGeom prst="rect">
+            <a:avLst/>
+          </a:prstGeom>
+          <a:ln>
+            <a:noFill/>
+          </a:ln>
+        </p:spPr>
+      </p:pic>
       <p:grpSp>
         <p:nvGrpSpPr>
-          <p:cNvPr id="52" name="群組 51"/>
+          <p:cNvPr id="3" name="群組 2"/>
           <p:cNvGrpSpPr/>
           <p:nvPr/>
         </p:nvGrpSpPr>
         <p:grpSpPr>
           <a:xfrm>
-            <a:off x="0" y="-13501"/>
-            <a:ext cx="3054472" cy="6239275"/>
-            <a:chOff x="0" y="-13501"/>
-            <a:chExt cx="3054472" cy="6239275"/>
+            <a:off x="1230187" y="7432336"/>
+            <a:ext cx="519616" cy="219599"/>
+            <a:chOff x="1258943" y="5685643"/>
+            <a:chExt cx="519616" cy="219599"/>
           </a:xfrm>
         </p:grpSpPr>
-        <p:sp>
-          <p:nvSpPr>
-            <p:cNvPr id="53" name="矩形 52"/>
-            <p:cNvSpPr/>
-            <p:nvPr/>
-          </p:nvSpPr>
-          <p:spPr>
-            <a:xfrm>
-              <a:off x="0" y="-13501"/>
-              <a:ext cx="3049588" cy="369102"/>
-            </a:xfrm>
-            <a:prstGeom prst="rect">
-              <a:avLst/>
-            </a:prstGeom>
-            <a:solidFill>
-              <a:schemeClr val="tx2">
-                <a:lumMod val="50000"/>
-              </a:schemeClr>
-            </a:solidFill>
-            <a:ln>
-              <a:noFill/>
-            </a:ln>
-          </p:spPr>
-          <p:style>
-            <a:lnRef idx="2">
-              <a:schemeClr val="accent1">
-                <a:shade val="50000"/>
-              </a:schemeClr>
-            </a:lnRef>
-            <a:fillRef idx="1">
-              <a:schemeClr val="accent1"/>
-            </a:fillRef>
-            <a:effectRef idx="0">
-              <a:schemeClr val="accent1"/>
-            </a:effectRef>
-            <a:fontRef idx="minor">
-              <a:schemeClr val="lt1"/>
-            </a:fontRef>
-          </p:style>
-          <p:txBody>
-            <a:bodyPr rtlCol="0" anchor="ctr"/>
-            <a:lstStyle/>
-            <a:p>
-              <a:pPr algn="ctr"/>
-              <a:endParaRPr lang="zh-TW" altLang="en-US" dirty="0"/>
-            </a:p>
-          </p:txBody>
-        </p:sp>
         <p:pic>
           <p:nvPicPr>
-            <p:cNvPr id="54" name="圖片 53"/>
-            <p:cNvPicPr>
-              <a:picLocks noChangeAspect="1"/>
-            </p:cNvPicPr>
-            <p:nvPr/>
-          </p:nvPicPr>
-          <p:blipFill>
-            <a:blip r:embed="rId2" cstate="print">
-              <a:extLst>
-                <a:ext uri="{28A0092B-C50C-407E-A947-70E740481C1C}">
-                  <a14:useLocalDpi xmlns:a14="http://schemas.microsoft.com/office/drawing/2010/main" val="0"/>
-                </a:ext>
-              </a:extLst>
-            </a:blip>
-            <a:stretch>
-              <a:fillRect/>
-            </a:stretch>
-          </p:blipFill>
-          <p:spPr>
-            <a:xfrm>
-              <a:off x="955553" y="35064"/>
-              <a:ext cx="1138481" cy="271971"/>
-            </a:xfrm>
-            <a:prstGeom prst="rect">
-              <a:avLst/>
-            </a:prstGeom>
-            <a:ln>
-              <a:noFill/>
-            </a:ln>
-          </p:spPr>
-        </p:pic>
-        <p:sp>
-          <p:nvSpPr>
-            <p:cNvPr id="55" name="矩形 54"/>
-            <p:cNvSpPr/>
-            <p:nvPr/>
-          </p:nvSpPr>
-          <p:spPr>
-            <a:xfrm>
-              <a:off x="0" y="307035"/>
-              <a:ext cx="3049588" cy="5918739"/>
-            </a:xfrm>
-            <a:prstGeom prst="rect">
-              <a:avLst/>
-            </a:prstGeom>
-            <a:solidFill>
-              <a:schemeClr val="accent6">
-                <a:lumMod val="40000"/>
-                <a:lumOff val="60000"/>
-              </a:schemeClr>
-            </a:solidFill>
-            <a:ln>
-              <a:noFill/>
-            </a:ln>
-          </p:spPr>
-          <p:style>
-            <a:lnRef idx="2">
-              <a:schemeClr val="accent1">
-                <a:shade val="50000"/>
-              </a:schemeClr>
-            </a:lnRef>
-            <a:fillRef idx="1">
-              <a:schemeClr val="accent1"/>
-            </a:fillRef>
-            <a:effectRef idx="0">
-              <a:schemeClr val="accent1"/>
-            </a:effectRef>
-            <a:fontRef idx="minor">
-              <a:schemeClr val="lt1"/>
-            </a:fontRef>
-          </p:style>
-          <p:txBody>
-            <a:bodyPr rtlCol="0" anchor="ctr"/>
-            <a:lstStyle/>
-            <a:p>
-              <a:pPr algn="ctr"/>
-              <a:endParaRPr lang="zh-TW" altLang="en-US"/>
-            </a:p>
-          </p:txBody>
-        </p:sp>
-        <p:sp>
-          <p:nvSpPr>
-            <p:cNvPr id="56" name="矩形 55"/>
-            <p:cNvSpPr/>
-            <p:nvPr/>
-          </p:nvSpPr>
-          <p:spPr>
-            <a:xfrm>
-              <a:off x="150007" y="307036"/>
-              <a:ext cx="2749572" cy="1750362"/>
-            </a:xfrm>
-            <a:prstGeom prst="rect">
-              <a:avLst/>
-            </a:prstGeom>
-            <a:solidFill>
-              <a:schemeClr val="bg2">
-                <a:lumMod val="10000"/>
-              </a:schemeClr>
-            </a:solidFill>
-            <a:ln>
-              <a:noFill/>
-            </a:ln>
-          </p:spPr>
-          <p:style>
-            <a:lnRef idx="2">
-              <a:schemeClr val="accent1">
-                <a:shade val="50000"/>
-              </a:schemeClr>
-            </a:lnRef>
-            <a:fillRef idx="1">
-              <a:schemeClr val="accent1"/>
-            </a:fillRef>
-            <a:effectRef idx="0">
-              <a:schemeClr val="accent1"/>
-            </a:effectRef>
-            <a:fontRef idx="minor">
-              <a:schemeClr val="lt1"/>
-            </a:fontRef>
-          </p:style>
-          <p:txBody>
-            <a:bodyPr rtlCol="0" anchor="ctr"/>
-            <a:lstStyle/>
-            <a:p>
-              <a:pPr algn="ctr"/>
-              <a:endParaRPr lang="zh-TW" altLang="en-US"/>
-            </a:p>
-          </p:txBody>
-        </p:sp>
-        <p:sp>
-          <p:nvSpPr>
-            <p:cNvPr id="57" name="矩形 56"/>
-            <p:cNvSpPr/>
-            <p:nvPr/>
-          </p:nvSpPr>
-          <p:spPr>
-            <a:xfrm>
-              <a:off x="150009" y="2057401"/>
-              <a:ext cx="2749571" cy="3943351"/>
-            </a:xfrm>
-            <a:prstGeom prst="rect">
-              <a:avLst/>
-            </a:prstGeom>
-            <a:solidFill>
-              <a:schemeClr val="tx1">
-                <a:lumMod val="75000"/>
-                <a:lumOff val="25000"/>
-              </a:schemeClr>
-            </a:solidFill>
-            <a:ln>
-              <a:noFill/>
-            </a:ln>
-          </p:spPr>
-          <p:style>
-            <a:lnRef idx="2">
-              <a:schemeClr val="accent1">
-                <a:shade val="50000"/>
-              </a:schemeClr>
-            </a:lnRef>
-            <a:fillRef idx="1">
-              <a:schemeClr val="accent1"/>
-            </a:fillRef>
-            <a:effectRef idx="0">
-              <a:schemeClr val="accent1"/>
-            </a:effectRef>
-            <a:fontRef idx="minor">
-              <a:schemeClr val="lt1"/>
-            </a:fontRef>
-          </p:style>
-          <p:txBody>
-            <a:bodyPr rtlCol="0" anchor="ctr"/>
-            <a:lstStyle/>
-            <a:p>
-              <a:pPr algn="ctr"/>
-              <a:endParaRPr lang="zh-TW" altLang="en-US" dirty="0"/>
-            </a:p>
-          </p:txBody>
-        </p:sp>
-        <p:pic>
-          <p:nvPicPr>
-            <p:cNvPr id="58" name="圖片 57"/>
-            <p:cNvPicPr>
-              <a:picLocks noChangeAspect="1"/>
-            </p:cNvPicPr>
-            <p:nvPr/>
-          </p:nvPicPr>
-          <p:blipFill>
-            <a:blip r:embed="rId3" cstate="print">
-              <a:extLst>
-                <a:ext uri="{28A0092B-C50C-407E-A947-70E740481C1C}">
-                  <a14:useLocalDpi xmlns:a14="http://schemas.microsoft.com/office/drawing/2010/main" val="0"/>
-                </a:ext>
-              </a:extLst>
-            </a:blip>
-            <a:stretch>
-              <a:fillRect/>
-            </a:stretch>
-          </p:blipFill>
-          <p:spPr>
-            <a:xfrm>
-              <a:off x="150006" y="618874"/>
-              <a:ext cx="2749571" cy="1438524"/>
-            </a:xfrm>
-            <a:prstGeom prst="rect">
-              <a:avLst/>
-            </a:prstGeom>
-            <a:ln>
-              <a:noFill/>
-            </a:ln>
-          </p:spPr>
-        </p:pic>
-        <p:pic>
-          <p:nvPicPr>
-            <p:cNvPr id="59" name="圖片 58"/>
-            <p:cNvPicPr>
-              <a:picLocks noChangeAspect="1"/>
-            </p:cNvPicPr>
-            <p:nvPr/>
-          </p:nvPicPr>
-          <p:blipFill>
-            <a:blip r:embed="rId4" cstate="print">
-              <a:extLst>
-                <a:ext uri="{28A0092B-C50C-407E-A947-70E740481C1C}">
-                  <a14:useLocalDpi xmlns:a14="http://schemas.microsoft.com/office/drawing/2010/main" val="0"/>
-                </a:ext>
-              </a:extLst>
-            </a:blip>
-            <a:stretch>
-              <a:fillRect/>
-            </a:stretch>
-          </p:blipFill>
-          <p:spPr>
-            <a:xfrm>
-              <a:off x="150006" y="55030"/>
-              <a:ext cx="178606" cy="178606"/>
-            </a:xfrm>
-            <a:prstGeom prst="rect">
-              <a:avLst/>
-            </a:prstGeom>
-          </p:spPr>
-        </p:pic>
-        <p:pic>
-          <p:nvPicPr>
-            <p:cNvPr id="60" name="圖片 59"/>
-            <p:cNvPicPr>
-              <a:picLocks noChangeAspect="1"/>
-            </p:cNvPicPr>
-            <p:nvPr/>
-          </p:nvPicPr>
-          <p:blipFill>
-            <a:blip r:embed="rId5" cstate="print">
-              <a:extLst>
-                <a:ext uri="{28A0092B-C50C-407E-A947-70E740481C1C}">
-                  <a14:useLocalDpi xmlns:a14="http://schemas.microsoft.com/office/drawing/2010/main" val="0"/>
-                </a:ext>
-              </a:extLst>
-            </a:blip>
-            <a:stretch>
-              <a:fillRect/>
-            </a:stretch>
-          </p:blipFill>
-          <p:spPr>
-            <a:xfrm>
-              <a:off x="217847" y="2535546"/>
-              <a:ext cx="1143688" cy="639712"/>
-            </a:xfrm>
-            <a:prstGeom prst="rect">
-              <a:avLst/>
-            </a:prstGeom>
-            <a:ln>
-              <a:noFill/>
-            </a:ln>
-          </p:spPr>
-        </p:pic>
-        <p:sp>
-          <p:nvSpPr>
-            <p:cNvPr id="61" name="文字方塊 60"/>
-            <p:cNvSpPr txBox="1"/>
-            <p:nvPr/>
-          </p:nvSpPr>
-          <p:spPr>
-            <a:xfrm>
-              <a:off x="1374776" y="2707283"/>
-              <a:ext cx="1455210" cy="307777"/>
-            </a:xfrm>
-            <a:prstGeom prst="rect">
-              <a:avLst/>
-            </a:prstGeom>
-            <a:noFill/>
-            <a:ln>
-              <a:noFill/>
-            </a:ln>
-          </p:spPr>
-          <p:txBody>
-            <a:bodyPr wrap="square" rtlCol="0">
-              <a:spAutoFit/>
-            </a:bodyPr>
-            <a:lstStyle/>
-            <a:p>
-              <a:pPr fontAlgn="t"/>
-              <a:r>
-                <a:rPr lang="en-US" altLang="zh-TW" sz="700" dirty="0">
-                  <a:solidFill>
-                    <a:schemeClr val="bg1"/>
-                  </a:solidFill>
-                  <a:latin typeface="微軟正黑體" panose="020B0604030504040204" pitchFamily="34" charset="-120"/>
-                  <a:ea typeface="微軟正黑體" panose="020B0604030504040204" pitchFamily="34" charset="-120"/>
-                </a:rPr>
-                <a:t>03/27 </a:t>
-              </a:r>
-              <a:r>
-                <a:rPr lang="zh-TW" altLang="en-US" sz="700" dirty="0">
-                  <a:solidFill>
-                    <a:schemeClr val="bg1"/>
-                  </a:solidFill>
-                  <a:latin typeface="微軟正黑體" panose="020B0604030504040204" pitchFamily="34" charset="-120"/>
-                  <a:ea typeface="微軟正黑體" panose="020B0604030504040204" pitchFamily="34" charset="-120"/>
-                </a:rPr>
-                <a:t>兄弟 </a:t>
-              </a:r>
-              <a:r>
-                <a:rPr lang="en-US" altLang="zh-TW" sz="700" dirty="0">
-                  <a:solidFill>
-                    <a:schemeClr val="bg1"/>
-                  </a:solidFill>
-                  <a:latin typeface="微軟正黑體" panose="020B0604030504040204" pitchFamily="34" charset="-120"/>
-                  <a:ea typeface="微軟正黑體" panose="020B0604030504040204" pitchFamily="34" charset="-120"/>
-                </a:rPr>
-                <a:t>vs </a:t>
-              </a:r>
-              <a:r>
-                <a:rPr lang="zh-TW" altLang="en-US" sz="700" dirty="0">
-                  <a:solidFill>
-                    <a:schemeClr val="bg1"/>
-                  </a:solidFill>
-                  <a:latin typeface="微軟正黑體" panose="020B0604030504040204" pitchFamily="34" charset="-120"/>
-                  <a:ea typeface="微軟正黑體" panose="020B0604030504040204" pitchFamily="34" charset="-120"/>
-                </a:rPr>
-                <a:t>義大 一局上，鄭</a:t>
-              </a:r>
-              <a:endParaRPr lang="en-US" altLang="zh-TW" sz="700" dirty="0">
-                <a:solidFill>
-                  <a:schemeClr val="bg1"/>
-                </a:solidFill>
-                <a:latin typeface="微軟正黑體" panose="020B0604030504040204" pitchFamily="34" charset="-120"/>
-                <a:ea typeface="微軟正黑體" panose="020B0604030504040204" pitchFamily="34" charset="-120"/>
-              </a:endParaRPr>
-            </a:p>
-            <a:p>
-              <a:pPr fontAlgn="t"/>
-              <a:r>
-                <a:rPr lang="zh-TW" altLang="en-US" sz="700" dirty="0">
-                  <a:solidFill>
-                    <a:schemeClr val="bg1"/>
-                  </a:solidFill>
-                  <a:latin typeface="微軟正黑體" panose="020B0604030504040204" pitchFamily="34" charset="-120"/>
-                  <a:ea typeface="微軟正黑體" panose="020B0604030504040204" pitchFamily="34" charset="-120"/>
-                </a:rPr>
-                <a:t>達鴻擊出中外野德州安打，</a:t>
-              </a:r>
-              <a:r>
-                <a:rPr lang="en-US" altLang="zh-TW" sz="700" dirty="0">
-                  <a:solidFill>
-                    <a:schemeClr val="bg1"/>
-                  </a:solidFill>
-                  <a:latin typeface="微軟正黑體" panose="020B0604030504040204" pitchFamily="34" charset="-120"/>
-                  <a:ea typeface="微軟正黑體" panose="020B0604030504040204" pitchFamily="34" charset="-120"/>
-                </a:rPr>
-                <a:t>…</a:t>
-              </a:r>
-              <a:endParaRPr lang="zh-TW" altLang="en-US" sz="700" dirty="0">
-                <a:solidFill>
-                  <a:schemeClr val="bg1"/>
-                </a:solidFill>
-                <a:latin typeface="微軟正黑體" panose="020B0604030504040204" pitchFamily="34" charset="-120"/>
-                <a:ea typeface="微軟正黑體" panose="020B0604030504040204" pitchFamily="34" charset="-120"/>
-              </a:endParaRPr>
-            </a:p>
-          </p:txBody>
-        </p:sp>
-        <p:sp>
-          <p:nvSpPr>
-            <p:cNvPr id="62" name="文字方塊 61"/>
-            <p:cNvSpPr txBox="1"/>
-            <p:nvPr/>
-          </p:nvSpPr>
-          <p:spPr>
-            <a:xfrm>
-              <a:off x="1028308" y="2173004"/>
-              <a:ext cx="912539" cy="230832"/>
-            </a:xfrm>
-            <a:prstGeom prst="rect">
-              <a:avLst/>
-            </a:prstGeom>
-            <a:noFill/>
-            <a:ln>
-              <a:noFill/>
-            </a:ln>
-            <a:effectLst>
-              <a:glow>
-                <a:schemeClr val="accent1">
-                  <a:alpha val="40000"/>
-                </a:schemeClr>
-              </a:glow>
-              <a:outerShdw blurRad="50800" dist="50800" dir="5400000" sx="1000" sy="1000" algn="ctr" rotWithShape="0">
-                <a:srgbClr val="000000">
-                  <a:alpha val="43137"/>
-                </a:srgbClr>
-              </a:outerShdw>
-              <a:reflection stA="45000" endPos="0" dist="50800" dir="5400000" sy="-100000" algn="bl" rotWithShape="0"/>
-              <a:softEdge rad="0"/>
-            </a:effectLst>
-          </p:spPr>
-          <p:txBody>
-            <a:bodyPr wrap="square" rtlCol="0">
-              <a:spAutoFit/>
-            </a:bodyPr>
-            <a:lstStyle/>
-            <a:p>
-              <a:pPr algn="ctr" fontAlgn="t"/>
-              <a:r>
-                <a:rPr lang="zh-TW" altLang="en-US" sz="900" b="1" dirty="0">
-                  <a:solidFill>
-                    <a:schemeClr val="bg1"/>
-                  </a:solidFill>
-                  <a:latin typeface="微軟正黑體" panose="020B0604030504040204" pitchFamily="34" charset="-120"/>
-                  <a:ea typeface="微軟正黑體" panose="020B0604030504040204" pitchFamily="34" charset="-120"/>
-                </a:rPr>
-                <a:t>精選賽事影片</a:t>
-              </a:r>
-            </a:p>
-          </p:txBody>
-        </p:sp>
-        <p:sp>
-          <p:nvSpPr>
-            <p:cNvPr id="63" name="文字方塊 62"/>
-            <p:cNvSpPr txBox="1"/>
-            <p:nvPr/>
-          </p:nvSpPr>
-          <p:spPr>
-            <a:xfrm>
-              <a:off x="712527" y="319020"/>
-              <a:ext cx="1554937" cy="230832"/>
-            </a:xfrm>
-            <a:prstGeom prst="rect">
-              <a:avLst/>
-            </a:prstGeom>
-            <a:noFill/>
-            <a:ln>
-              <a:noFill/>
-            </a:ln>
-          </p:spPr>
-          <p:txBody>
-            <a:bodyPr wrap="square" rtlCol="0">
-              <a:spAutoFit/>
-            </a:bodyPr>
-            <a:lstStyle/>
-            <a:p>
-              <a:pPr fontAlgn="t"/>
-              <a:r>
-                <a:rPr lang="en-US" altLang="zh-TW" sz="900" b="1" dirty="0">
-                  <a:solidFill>
-                    <a:schemeClr val="bg1"/>
-                  </a:solidFill>
-                  <a:latin typeface="微軟正黑體" panose="020B0604030504040204" pitchFamily="34" charset="-120"/>
-                  <a:ea typeface="微軟正黑體" panose="020B0604030504040204" pitchFamily="34" charset="-120"/>
-                </a:rPr>
-                <a:t>[Live] 03/27 </a:t>
-              </a:r>
-              <a:r>
-                <a:rPr lang="zh-TW" altLang="en-US" sz="900" b="1" dirty="0">
-                  <a:solidFill>
-                    <a:schemeClr val="bg1"/>
-                  </a:solidFill>
-                  <a:latin typeface="微軟正黑體" panose="020B0604030504040204" pitchFamily="34" charset="-120"/>
-                  <a:ea typeface="微軟正黑體" panose="020B0604030504040204" pitchFamily="34" charset="-120"/>
-                </a:rPr>
-                <a:t>兄弟 </a:t>
-              </a:r>
-              <a:r>
-                <a:rPr lang="en-US" altLang="zh-TW" sz="900" b="1" dirty="0">
-                  <a:solidFill>
-                    <a:schemeClr val="bg1"/>
-                  </a:solidFill>
-                  <a:latin typeface="微軟正黑體" panose="020B0604030504040204" pitchFamily="34" charset="-120"/>
-                  <a:ea typeface="微軟正黑體" panose="020B0604030504040204" pitchFamily="34" charset="-120"/>
-                </a:rPr>
-                <a:t>vs </a:t>
-              </a:r>
-              <a:r>
-                <a:rPr lang="zh-TW" altLang="en-US" sz="900" b="1" dirty="0">
-                  <a:solidFill>
-                    <a:schemeClr val="bg1"/>
-                  </a:solidFill>
-                  <a:latin typeface="微軟正黑體" panose="020B0604030504040204" pitchFamily="34" charset="-120"/>
-                  <a:ea typeface="微軟正黑體" panose="020B0604030504040204" pitchFamily="34" charset="-120"/>
-                </a:rPr>
-                <a:t>義大</a:t>
-              </a:r>
-            </a:p>
-          </p:txBody>
-        </p:sp>
-        <p:sp>
-          <p:nvSpPr>
-            <p:cNvPr id="64" name="文字方塊 63"/>
-            <p:cNvSpPr txBox="1"/>
-            <p:nvPr/>
-          </p:nvSpPr>
-          <p:spPr>
-            <a:xfrm>
-              <a:off x="1388238" y="3463083"/>
-              <a:ext cx="1524801" cy="307777"/>
-            </a:xfrm>
-            <a:prstGeom prst="rect">
-              <a:avLst/>
-            </a:prstGeom>
-            <a:noFill/>
-            <a:ln>
-              <a:noFill/>
-            </a:ln>
-          </p:spPr>
-          <p:txBody>
-            <a:bodyPr wrap="square" rtlCol="0">
-              <a:spAutoFit/>
-            </a:bodyPr>
-            <a:lstStyle/>
-            <a:p>
-              <a:pPr fontAlgn="t"/>
-              <a:r>
-                <a:rPr lang="en-US" altLang="zh-TW" sz="700" dirty="0">
-                  <a:solidFill>
-                    <a:schemeClr val="bg1"/>
-                  </a:solidFill>
-                  <a:latin typeface="微軟正黑體" panose="020B0604030504040204" pitchFamily="34" charset="-120"/>
-                  <a:ea typeface="微軟正黑體" panose="020B0604030504040204" pitchFamily="34" charset="-120"/>
-                </a:rPr>
-                <a:t>03/27 </a:t>
-              </a:r>
-              <a:r>
-                <a:rPr lang="zh-TW" altLang="en-US" sz="700" dirty="0">
-                  <a:solidFill>
-                    <a:schemeClr val="bg1"/>
-                  </a:solidFill>
-                  <a:latin typeface="微軟正黑體" panose="020B0604030504040204" pitchFamily="34" charset="-120"/>
-                  <a:ea typeface="微軟正黑體" panose="020B0604030504040204" pitchFamily="34" charset="-120"/>
-                </a:rPr>
-                <a:t>兄弟 </a:t>
-              </a:r>
-              <a:r>
-                <a:rPr lang="en-US" altLang="zh-TW" sz="700" dirty="0">
-                  <a:solidFill>
-                    <a:schemeClr val="bg1"/>
-                  </a:solidFill>
-                  <a:latin typeface="微軟正黑體" panose="020B0604030504040204" pitchFamily="34" charset="-120"/>
-                  <a:ea typeface="微軟正黑體" panose="020B0604030504040204" pitchFamily="34" charset="-120"/>
-                </a:rPr>
-                <a:t>vs </a:t>
-              </a:r>
-              <a:r>
-                <a:rPr lang="zh-TW" altLang="en-US" sz="700" dirty="0">
-                  <a:solidFill>
-                    <a:schemeClr val="bg1"/>
-                  </a:solidFill>
-                  <a:latin typeface="微軟正黑體" panose="020B0604030504040204" pitchFamily="34" charset="-120"/>
-                  <a:ea typeface="微軟正黑體" panose="020B0604030504040204" pitchFamily="34" charset="-120"/>
-                </a:rPr>
-                <a:t>義大 四局上，兄弟</a:t>
-              </a:r>
-              <a:endParaRPr lang="en-US" altLang="zh-TW" sz="700" dirty="0">
-                <a:solidFill>
-                  <a:schemeClr val="bg1"/>
-                </a:solidFill>
-                <a:latin typeface="微軟正黑體" panose="020B0604030504040204" pitchFamily="34" charset="-120"/>
-                <a:ea typeface="微軟正黑體" panose="020B0604030504040204" pitchFamily="34" charset="-120"/>
-              </a:endParaRPr>
-            </a:p>
-            <a:p>
-              <a:pPr fontAlgn="t"/>
-              <a:r>
-                <a:rPr lang="zh-TW" altLang="en-US" sz="700" dirty="0">
-                  <a:solidFill>
-                    <a:schemeClr val="bg1"/>
-                  </a:solidFill>
-                  <a:latin typeface="微軟正黑體" panose="020B0604030504040204" pitchFamily="34" charset="-120"/>
-                  <a:ea typeface="微軟正黑體" panose="020B0604030504040204" pitchFamily="34" charset="-120"/>
-                </a:rPr>
-                <a:t>九位打者一共擊出</a:t>
-              </a:r>
-              <a:r>
-                <a:rPr lang="en-US" altLang="zh-TW" sz="700" dirty="0">
-                  <a:solidFill>
-                    <a:schemeClr val="bg1"/>
-                  </a:solidFill>
-                  <a:latin typeface="微軟正黑體" panose="020B0604030504040204" pitchFamily="34" charset="-120"/>
-                  <a:ea typeface="微軟正黑體" panose="020B0604030504040204" pitchFamily="34" charset="-120"/>
-                </a:rPr>
-                <a:t>11</a:t>
-              </a:r>
-              <a:r>
-                <a:rPr lang="zh-TW" altLang="en-US" sz="700" dirty="0">
-                  <a:solidFill>
-                    <a:schemeClr val="bg1"/>
-                  </a:solidFill>
-                  <a:latin typeface="微軟正黑體" panose="020B0604030504040204" pitchFamily="34" charset="-120"/>
-                  <a:ea typeface="微軟正黑體" panose="020B0604030504040204" pitchFamily="34" charset="-120"/>
-                </a:rPr>
-                <a:t>安打</a:t>
-              </a:r>
-              <a:r>
-                <a:rPr lang="en-US" altLang="zh-TW" sz="700" dirty="0">
-                  <a:solidFill>
-                    <a:schemeClr val="bg1"/>
-                  </a:solidFill>
-                  <a:latin typeface="微軟正黑體" panose="020B0604030504040204" pitchFamily="34" charset="-120"/>
-                  <a:ea typeface="微軟正黑體" panose="020B0604030504040204" pitchFamily="34" charset="-120"/>
-                </a:rPr>
-                <a:t>…</a:t>
-              </a:r>
-              <a:endParaRPr lang="zh-TW" altLang="en-US" sz="700" dirty="0">
-                <a:solidFill>
-                  <a:schemeClr val="bg1"/>
-                </a:solidFill>
-                <a:latin typeface="微軟正黑體" panose="020B0604030504040204" pitchFamily="34" charset="-120"/>
-                <a:ea typeface="微軟正黑體" panose="020B0604030504040204" pitchFamily="34" charset="-120"/>
-              </a:endParaRPr>
-            </a:p>
-          </p:txBody>
-        </p:sp>
-        <p:pic>
-          <p:nvPicPr>
-            <p:cNvPr id="65" name="圖片 64"/>
-            <p:cNvPicPr>
-              <a:picLocks noChangeAspect="1"/>
-            </p:cNvPicPr>
-            <p:nvPr/>
-          </p:nvPicPr>
-          <p:blipFill>
-            <a:blip r:embed="rId6" cstate="print">
-              <a:extLst>
-                <a:ext uri="{28A0092B-C50C-407E-A947-70E740481C1C}">
-                  <a14:useLocalDpi xmlns:a14="http://schemas.microsoft.com/office/drawing/2010/main" val="0"/>
-                </a:ext>
-              </a:extLst>
-            </a:blip>
-            <a:stretch>
-              <a:fillRect/>
-            </a:stretch>
-          </p:blipFill>
-          <p:spPr>
-            <a:xfrm>
-              <a:off x="204170" y="3308549"/>
-              <a:ext cx="1143688" cy="641646"/>
-            </a:xfrm>
-            <a:prstGeom prst="rect">
-              <a:avLst/>
-            </a:prstGeom>
-            <a:ln>
-              <a:noFill/>
-            </a:ln>
-          </p:spPr>
-        </p:pic>
-        <p:pic>
-          <p:nvPicPr>
-            <p:cNvPr id="66" name="圖片 65"/>
+            <p:cNvPr id="170" name="圖片 169"/>
             <p:cNvPicPr>
               <a:picLocks noChangeAspect="1"/>
             </p:cNvPicPr>
@@ -3727,7 +3697,7 @@
         </p:pic>
         <p:pic>
           <p:nvPicPr>
-            <p:cNvPr id="67" name="圖片 66"/>
+            <p:cNvPr id="171" name="圖片 170"/>
             <p:cNvPicPr>
               <a:picLocks noChangeAspect="1"/>
             </p:cNvPicPr>
@@ -3755,9 +3725,24 @@
             </a:prstGeom>
           </p:spPr>
         </p:pic>
+      </p:grpSp>
+      <p:grpSp>
+        <p:nvGrpSpPr>
+          <p:cNvPr id="2" name="群組 1"/>
+          <p:cNvGrpSpPr/>
+          <p:nvPr/>
+        </p:nvGrpSpPr>
+        <p:grpSpPr>
+          <a:xfrm>
+            <a:off x="-8770" y="7703954"/>
+            <a:ext cx="3054472" cy="224021"/>
+            <a:chOff x="0" y="5999700"/>
+            <a:chExt cx="3054472" cy="224021"/>
+          </a:xfrm>
+        </p:grpSpPr>
         <p:sp>
           <p:nvSpPr>
-            <p:cNvPr id="68" name="矩形 67"/>
+            <p:cNvPr id="172" name="矩形 171"/>
             <p:cNvSpPr/>
             <p:nvPr/>
           </p:nvSpPr>
@@ -3805,7 +3790,7 @@
         </p:sp>
         <p:sp>
           <p:nvSpPr>
-            <p:cNvPr id="69" name="矩形 68"/>
+            <p:cNvPr id="173" name="矩形 172"/>
             <p:cNvSpPr/>
             <p:nvPr/>
           </p:nvSpPr>
@@ -3867,245 +3852,116 @@
             </a:p>
           </p:txBody>
         </p:sp>
-        <p:pic>
-          <p:nvPicPr>
-            <p:cNvPr id="70" name="圖片 69"/>
-            <p:cNvPicPr>
-              <a:picLocks noChangeAspect="1"/>
-            </p:cNvPicPr>
-            <p:nvPr/>
-          </p:nvPicPr>
-          <p:blipFill>
-            <a:blip r:embed="rId9" cstate="print">
-              <a:extLst>
-                <a:ext uri="{28A0092B-C50C-407E-A947-70E740481C1C}">
-                  <a14:useLocalDpi xmlns:a14="http://schemas.microsoft.com/office/drawing/2010/main" val="0"/>
-                </a:ext>
-              </a:extLst>
-            </a:blip>
-            <a:stretch>
-              <a:fillRect/>
-            </a:stretch>
-          </p:blipFill>
-          <p:spPr>
-            <a:xfrm>
-              <a:off x="204174" y="4065801"/>
-              <a:ext cx="1143463" cy="640178"/>
-            </a:xfrm>
-            <a:prstGeom prst="rect">
-              <a:avLst/>
-            </a:prstGeom>
-            <a:ln>
-              <a:noFill/>
-            </a:ln>
-          </p:spPr>
-        </p:pic>
-        <p:sp>
-          <p:nvSpPr>
-            <p:cNvPr id="71" name="文字方塊 70"/>
-            <p:cNvSpPr txBox="1"/>
-            <p:nvPr/>
-          </p:nvSpPr>
-          <p:spPr>
-            <a:xfrm>
-              <a:off x="1361535" y="4208594"/>
-              <a:ext cx="1538042" cy="307777"/>
-            </a:xfrm>
-            <a:prstGeom prst="rect">
-              <a:avLst/>
-            </a:prstGeom>
+      </p:grpSp>
+      <p:sp>
+        <p:nvSpPr>
+          <p:cNvPr id="175" name="文字方塊 174"/>
+          <p:cNvSpPr txBox="1"/>
+          <p:nvPr/>
+        </p:nvSpPr>
+        <p:spPr>
+          <a:xfrm>
+            <a:off x="569782" y="5802280"/>
+            <a:ext cx="1910389" cy="307777"/>
+          </a:xfrm>
+          <a:prstGeom prst="rect">
+            <a:avLst/>
+          </a:prstGeom>
+          <a:noFill/>
+          <a:ln>
             <a:noFill/>
-            <a:ln>
-              <a:noFill/>
-            </a:ln>
-          </p:spPr>
-          <p:txBody>
-            <a:bodyPr wrap="square" rtlCol="0">
-              <a:spAutoFit/>
-            </a:bodyPr>
-            <a:lstStyle/>
-            <a:p>
-              <a:pPr fontAlgn="t"/>
-              <a:r>
-                <a:rPr lang="en-US" altLang="zh-TW" sz="700" dirty="0">
-                  <a:solidFill>
-                    <a:schemeClr val="bg1"/>
-                  </a:solidFill>
-                  <a:latin typeface="微軟正黑體" panose="020B0604030504040204" pitchFamily="34" charset="-120"/>
-                  <a:ea typeface="微軟正黑體" panose="020B0604030504040204" pitchFamily="34" charset="-120"/>
-                </a:rPr>
-                <a:t>03/27 Lamigo vs </a:t>
-              </a:r>
-              <a:r>
-                <a:rPr lang="zh-TW" altLang="en-US" sz="700" dirty="0">
-                  <a:solidFill>
-                    <a:schemeClr val="bg1"/>
-                  </a:solidFill>
-                  <a:latin typeface="微軟正黑體" panose="020B0604030504040204" pitchFamily="34" charset="-120"/>
-                  <a:ea typeface="微軟正黑體" panose="020B0604030504040204" pitchFamily="34" charset="-120"/>
-                </a:rPr>
-                <a:t>統一 一局下，陽</a:t>
-              </a:r>
-              <a:endParaRPr lang="en-US" altLang="zh-TW" sz="700" dirty="0">
+          </a:ln>
+        </p:spPr>
+        <p:txBody>
+          <a:bodyPr wrap="square" rtlCol="0">
+            <a:spAutoFit/>
+          </a:bodyPr>
+          <a:lstStyle/>
+          <a:p>
+            <a:pPr fontAlgn="t"/>
+            <a:r>
+              <a:rPr lang="en-US" altLang="zh-TW" sz="700" dirty="0">
                 <a:solidFill>
                   <a:schemeClr val="bg1"/>
                 </a:solidFill>
                 <a:latin typeface="微軟正黑體" panose="020B0604030504040204" pitchFamily="34" charset="-120"/>
                 <a:ea typeface="微軟正黑體" panose="020B0604030504040204" pitchFamily="34" charset="-120"/>
-              </a:endParaRPr>
-            </a:p>
-            <a:p>
-              <a:pPr fontAlgn="t"/>
-              <a:r>
-                <a:rPr lang="zh-TW" altLang="en-US" sz="700" dirty="0">
-                  <a:solidFill>
-                    <a:schemeClr val="bg1"/>
-                  </a:solidFill>
-                  <a:latin typeface="微軟正黑體" panose="020B0604030504040204" pitchFamily="34" charset="-120"/>
-                  <a:ea typeface="微軟正黑體" panose="020B0604030504040204" pitchFamily="34" charset="-120"/>
-                </a:rPr>
-                <a:t>耀勳發生接球失誤，林志</a:t>
-              </a:r>
-              <a:r>
-                <a:rPr lang="en-US" altLang="zh-TW" sz="700" dirty="0">
-                  <a:solidFill>
-                    <a:schemeClr val="bg1"/>
-                  </a:solidFill>
-                  <a:latin typeface="微軟正黑體" panose="020B0604030504040204" pitchFamily="34" charset="-120"/>
-                  <a:ea typeface="微軟正黑體" panose="020B0604030504040204" pitchFamily="34" charset="-120"/>
-                </a:rPr>
-                <a:t>…</a:t>
-              </a:r>
-              <a:endParaRPr lang="zh-TW" altLang="en-US" sz="700" dirty="0">
+              </a:rPr>
+              <a:t>03/27 </a:t>
+            </a:r>
+            <a:r>
+              <a:rPr lang="en-US" altLang="zh-TW" sz="700" dirty="0" err="1">
                 <a:solidFill>
                   <a:schemeClr val="bg1"/>
                 </a:solidFill>
                 <a:latin typeface="微軟正黑體" panose="020B0604030504040204" pitchFamily="34" charset="-120"/>
                 <a:ea typeface="微軟正黑體" panose="020B0604030504040204" pitchFamily="34" charset="-120"/>
-              </a:endParaRPr>
-            </a:p>
-          </p:txBody>
-        </p:sp>
-        <p:pic>
-          <p:nvPicPr>
-            <p:cNvPr id="72" name="圖片 71"/>
-            <p:cNvPicPr>
-              <a:picLocks noChangeAspect="1"/>
-            </p:cNvPicPr>
-            <p:nvPr/>
-          </p:nvPicPr>
-          <p:blipFill>
-            <a:blip r:embed="rId10" cstate="print">
-              <a:extLst>
-                <a:ext uri="{28A0092B-C50C-407E-A947-70E740481C1C}">
-                  <a14:useLocalDpi xmlns:a14="http://schemas.microsoft.com/office/drawing/2010/main" val="0"/>
-                </a:ext>
-              </a:extLst>
-            </a:blip>
-            <a:stretch>
-              <a:fillRect/>
-            </a:stretch>
-          </p:blipFill>
-          <p:spPr>
-            <a:xfrm>
-              <a:off x="201698" y="4837780"/>
-              <a:ext cx="1143238" cy="641394"/>
-            </a:xfrm>
-            <a:prstGeom prst="rect">
-              <a:avLst/>
-            </a:prstGeom>
-            <a:ln>
-              <a:noFill/>
-            </a:ln>
-          </p:spPr>
-        </p:pic>
-        <p:sp>
-          <p:nvSpPr>
-            <p:cNvPr id="73" name="文字方塊 72"/>
-            <p:cNvSpPr txBox="1"/>
-            <p:nvPr/>
-          </p:nvSpPr>
-          <p:spPr>
-            <a:xfrm>
-              <a:off x="1361535" y="4998624"/>
-              <a:ext cx="1538042" cy="307777"/>
-            </a:xfrm>
-            <a:prstGeom prst="rect">
-              <a:avLst/>
-            </a:prstGeom>
-            <a:noFill/>
-            <a:ln>
-              <a:noFill/>
-            </a:ln>
-          </p:spPr>
-          <p:txBody>
-            <a:bodyPr wrap="square" rtlCol="0">
-              <a:spAutoFit/>
-            </a:bodyPr>
-            <a:lstStyle/>
-            <a:p>
-              <a:pPr fontAlgn="t"/>
-              <a:r>
-                <a:rPr lang="en-US" altLang="zh-TW" sz="700" dirty="0">
-                  <a:solidFill>
-                    <a:schemeClr val="bg1"/>
-                  </a:solidFill>
-                  <a:latin typeface="微軟正黑體" panose="020B0604030504040204" pitchFamily="34" charset="-120"/>
-                  <a:ea typeface="微軟正黑體" panose="020B0604030504040204" pitchFamily="34" charset="-120"/>
-                </a:rPr>
-                <a:t>03/27 Lamigo vs </a:t>
-              </a:r>
-              <a:r>
-                <a:rPr lang="zh-TW" altLang="en-US" sz="700" dirty="0">
-                  <a:solidFill>
-                    <a:schemeClr val="bg1"/>
-                  </a:solidFill>
-                  <a:latin typeface="微軟正黑體" panose="020B0604030504040204" pitchFamily="34" charset="-120"/>
-                  <a:ea typeface="微軟正黑體" panose="020B0604030504040204" pitchFamily="34" charset="-120"/>
-                </a:rPr>
-                <a:t>統一 四局下，鄭</a:t>
-              </a:r>
-              <a:endParaRPr lang="en-US" altLang="zh-TW" sz="700" dirty="0">
+              </a:rPr>
+              <a:t>Lamigo</a:t>
+            </a:r>
+            <a:r>
+              <a:rPr lang="en-US" altLang="zh-TW" sz="700" dirty="0">
                 <a:solidFill>
                   <a:schemeClr val="bg1"/>
                 </a:solidFill>
                 <a:latin typeface="微軟正黑體" panose="020B0604030504040204" pitchFamily="34" charset="-120"/>
                 <a:ea typeface="微軟正黑體" panose="020B0604030504040204" pitchFamily="34" charset="-120"/>
-              </a:endParaRPr>
-            </a:p>
-            <a:p>
-              <a:pPr fontAlgn="t"/>
-              <a:r>
-                <a:rPr lang="zh-TW" altLang="en-US" sz="700" dirty="0">
-                  <a:solidFill>
-                    <a:schemeClr val="bg1"/>
-                  </a:solidFill>
-                  <a:latin typeface="微軟正黑體" panose="020B0604030504040204" pitchFamily="34" charset="-120"/>
-                  <a:ea typeface="微軟正黑體" panose="020B0604030504040204" pitchFamily="34" charset="-120"/>
-                </a:rPr>
-                <a:t>鎧文三壘邊線二壘安打，</a:t>
-              </a:r>
-              <a:r>
-                <a:rPr lang="en-US" altLang="zh-TW" sz="700" dirty="0">
-                  <a:solidFill>
-                    <a:schemeClr val="bg1"/>
-                  </a:solidFill>
-                  <a:latin typeface="微軟正黑體" panose="020B0604030504040204" pitchFamily="34" charset="-120"/>
-                  <a:ea typeface="微軟正黑體" panose="020B0604030504040204" pitchFamily="34" charset="-120"/>
-                </a:rPr>
-                <a:t>…</a:t>
-              </a:r>
-              <a:endParaRPr lang="zh-TW" altLang="en-US" sz="700" dirty="0">
+              </a:rPr>
+              <a:t> vs </a:t>
+            </a:r>
+            <a:r>
+              <a:rPr lang="zh-TW" altLang="en-US" sz="700" dirty="0">
                 <a:solidFill>
                   <a:schemeClr val="bg1"/>
                 </a:solidFill>
                 <a:latin typeface="微軟正黑體" panose="020B0604030504040204" pitchFamily="34" charset="-120"/>
                 <a:ea typeface="微軟正黑體" panose="020B0604030504040204" pitchFamily="34" charset="-120"/>
-              </a:endParaRPr>
-            </a:p>
-          </p:txBody>
-        </p:sp>
-      </p:grpSp>
+              </a:rPr>
+              <a:t>統一 一局下，陽耀勳發生接球失誤，林志祥攻占上二壘</a:t>
+            </a:r>
+            <a:endParaRPr lang="zh-TW" altLang="en-US" sz="700" dirty="0">
+              <a:solidFill>
+                <a:schemeClr val="bg1"/>
+              </a:solidFill>
+              <a:latin typeface="微軟正黑體" panose="020B0604030504040204" pitchFamily="34" charset="-120"/>
+              <a:ea typeface="微軟正黑體" panose="020B0604030504040204" pitchFamily="34" charset="-120"/>
+            </a:endParaRPr>
+          </a:p>
+        </p:txBody>
+      </p:sp>
+      <p:pic>
+        <p:nvPicPr>
+          <p:cNvPr id="176" name="圖片 175"/>
+          <p:cNvPicPr>
+            <a:picLocks noChangeAspect="1"/>
+          </p:cNvPicPr>
+          <p:nvPr/>
+        </p:nvPicPr>
+        <p:blipFill>
+          <a:blip r:embed="rId9" cstate="print">
+            <a:extLst>
+              <a:ext uri="{28A0092B-C50C-407E-A947-70E740481C1C}">
+                <a14:useLocalDpi xmlns:a14="http://schemas.microsoft.com/office/drawing/2010/main" val="0"/>
+              </a:ext>
+            </a:extLst>
+          </a:blip>
+          <a:stretch>
+            <a:fillRect/>
+          </a:stretch>
+        </p:blipFill>
+        <p:spPr>
+          <a:xfrm>
+            <a:off x="569782" y="6154048"/>
+            <a:ext cx="1910389" cy="1071791"/>
+          </a:xfrm>
+          <a:prstGeom prst="rect">
+            <a:avLst/>
+          </a:prstGeom>
+          <a:ln>
+            <a:noFill/>
+          </a:ln>
+        </p:spPr>
+      </p:pic>
     </p:spTree>
     <p:extLst>
       <p:ext uri="{BB962C8B-B14F-4D97-AF65-F5344CB8AC3E}">
